--- a/Week 5 Present Your Data-Driven Insights/Data Science Journey.pptx
+++ b/Week 5 Present Your Data-Driven Insights/Data Science Journey.pptx
@@ -308,7 +308,7 @@
           <a:p>
             <a:fld id="{1D8BD707-D9CF-40AE-B4C6-C98DA3205C09}" type="datetimeFigureOut">
               <a:rPr lang="en-US"/>
-              <a:t>8/26/2021</a:t>
+              <a:t>9/30/2023</a:t>
             </a:fld>
             <a:endParaRPr lang="en-US"/>
           </a:p>
@@ -346,7 +346,7 @@
             </a:pPr>
             <a:fld id="{81D60167-4931-47E6-BA6A-407CBD079E47}" type="slidenum">
               <a:rPr dirty="0"/>
-              <a:t>‹#›</a:t>
+              <a:t>‹Nº›</a:t>
             </a:fld>
             <a:endParaRPr dirty="0"/>
           </a:p>
@@ -491,7 +491,7 @@
           <a:p>
             <a:fld id="{1D8BD707-D9CF-40AE-B4C6-C98DA3205C09}" type="datetimeFigureOut">
               <a:rPr lang="en-US"/>
-              <a:t>8/26/2021</a:t>
+              <a:t>9/30/2023</a:t>
             </a:fld>
             <a:endParaRPr lang="en-US"/>
           </a:p>
@@ -529,7 +529,7 @@
             </a:pPr>
             <a:fld id="{81D60167-4931-47E6-BA6A-407CBD079E47}" type="slidenum">
               <a:rPr dirty="0"/>
-              <a:t>‹#›</a:t>
+              <a:t>‹Nº›</a:t>
             </a:fld>
             <a:endParaRPr dirty="0"/>
           </a:p>
@@ -711,7 +711,7 @@
           <a:p>
             <a:fld id="{1D8BD707-D9CF-40AE-B4C6-C98DA3205C09}" type="datetimeFigureOut">
               <a:rPr lang="en-US"/>
-              <a:t>8/26/2021</a:t>
+              <a:t>9/30/2023</a:t>
             </a:fld>
             <a:endParaRPr lang="en-US"/>
           </a:p>
@@ -749,7 +749,7 @@
             </a:pPr>
             <a:fld id="{81D60167-4931-47E6-BA6A-407CBD079E47}" type="slidenum">
               <a:rPr dirty="0"/>
-              <a:t>‹#›</a:t>
+              <a:t>‹Nº›</a:t>
             </a:fld>
             <a:endParaRPr dirty="0"/>
           </a:p>
@@ -1015,7 +1015,7 @@
           <a:p>
             <a:fld id="{1D8BD707-D9CF-40AE-B4C6-C98DA3205C09}" type="datetimeFigureOut">
               <a:rPr lang="en-US"/>
-              <a:t>8/26/2021</a:t>
+              <a:t>9/30/2023</a:t>
             </a:fld>
             <a:endParaRPr lang="en-US"/>
           </a:p>
@@ -1053,7 +1053,7 @@
             </a:pPr>
             <a:fld id="{81D60167-4931-47E6-BA6A-407CBD079E47}" type="slidenum">
               <a:rPr dirty="0"/>
-              <a:t>‹#›</a:t>
+              <a:t>‹Nº›</a:t>
             </a:fld>
             <a:endParaRPr dirty="0"/>
           </a:p>
@@ -1290,7 +1290,7 @@
           <a:p>
             <a:fld id="{1D8BD707-D9CF-40AE-B4C6-C98DA3205C09}" type="datetimeFigureOut">
               <a:rPr lang="en-US"/>
-              <a:t>8/26/2021</a:t>
+              <a:t>9/30/2023</a:t>
             </a:fld>
             <a:endParaRPr lang="en-US"/>
           </a:p>
@@ -1328,7 +1328,7 @@
             </a:pPr>
             <a:fld id="{81D60167-4931-47E6-BA6A-407CBD079E47}" type="slidenum">
               <a:rPr dirty="0"/>
-              <a:t>‹#›</a:t>
+              <a:t>‹Nº›</a:t>
             </a:fld>
             <a:endParaRPr dirty="0"/>
           </a:p>
@@ -1621,7 +1621,7 @@
           <a:p>
             <a:fld id="{1D8BD707-D9CF-40AE-B4C6-C98DA3205C09}" type="datetimeFigureOut">
               <a:rPr lang="en-US"/>
-              <a:t>8/26/2021</a:t>
+              <a:t>9/30/2023</a:t>
             </a:fld>
             <a:endParaRPr lang="en-US"/>
           </a:p>
@@ -1669,7 +1669,7 @@
             </a:pPr>
             <a:fld id="{81D60167-4931-47E6-BA6A-407CBD079E47}" type="slidenum">
               <a:rPr dirty="0"/>
-              <a:t>‹#›</a:t>
+              <a:t>‹Nº›</a:t>
             </a:fld>
             <a:endParaRPr dirty="0"/>
           </a:p>
@@ -2092,8 +2092,8 @@
         </p:nvSpPr>
         <p:spPr>
           <a:xfrm>
-            <a:off x="1176019" y="4300220"/>
-            <a:ext cx="5885180" cy="1422825"/>
+            <a:off x="1175356" y="4343400"/>
+            <a:ext cx="5885180" cy="1333057"/>
           </a:xfrm>
           <a:prstGeom prst="rect">
             <a:avLst/>
@@ -2114,19 +2114,25 @@
               </a:spcBef>
             </a:pPr>
             <a:r>
-              <a:rPr lang="en-IN" sz="2400" spc="-175" dirty="0">
+              <a:rPr lang="en-IN" sz="2400" spc="-175" dirty="0" err="1">
                 <a:solidFill>
                   <a:srgbClr val="616E52"/>
                 </a:solidFill>
                 <a:latin typeface="Arial"/>
                 <a:cs typeface="Arial"/>
               </a:rPr>
-              <a:t>Navas Sherif I</a:t>
-            </a:r>
-            <a:endParaRPr sz="2400" dirty="0">
-              <a:latin typeface="Arial"/>
-              <a:cs typeface="Arial"/>
-            </a:endParaRPr>
+              <a:t>Loyo,</a:t>
+            </a:r>
+            <a:r>
+              <a:rPr lang="en-IN" sz="2400" spc="-175" dirty="0">
+                <a:solidFill>
+                  <a:srgbClr val="616E52"/>
+                </a:solidFill>
+                <a:latin typeface="Arial"/>
+                <a:cs typeface="Arial"/>
+              </a:rPr>
+              <a:t> Reinaldo</a:t>
+            </a:r>
           </a:p>
           <a:p>
             <a:pPr marL="12700">
@@ -2134,37 +2140,43 @@
                 <a:spcPct val="100000"/>
               </a:lnSpc>
               <a:spcBef>
-                <a:spcPts val="755"/>
+                <a:spcPts val="855"/>
               </a:spcBef>
             </a:pPr>
             <a:r>
-              <a:rPr lang="en-IN" sz="2400" spc="70" dirty="0">
+              <a:rPr lang="en-US" sz="2400" dirty="0" err="1">
+                <a:hlinkClick r:id="rId2"/>
+              </a:rPr>
+              <a:t>KingNewbie</a:t>
+            </a:r>
+            <a:r>
+              <a:rPr lang="en-US" sz="2400" dirty="0">
+                <a:hlinkClick r:id="rId2"/>
+              </a:rPr>
+              <a:t>/</a:t>
+            </a:r>
+            <a:r>
+              <a:rPr lang="en-US" sz="2400" dirty="0" err="1">
+                <a:hlinkClick r:id="rId2"/>
+              </a:rPr>
+              <a:t>Applied_Data_Science_Capstone</a:t>
+            </a:r>
+            <a:r>
+              <a:rPr lang="en-US" sz="2400" dirty="0">
+                <a:hlinkClick r:id="rId2"/>
+              </a:rPr>
+              <a:t> </a:t>
+            </a:r>
+            <a:r>
+              <a:rPr lang="es-UY" sz="2400" spc="130" dirty="0">
                 <a:solidFill>
                   <a:srgbClr val="616E52"/>
                 </a:solidFill>
                 <a:latin typeface="Arial"/>
                 <a:cs typeface="Arial"/>
-                <a:hlinkClick r:id="rId2"/>
-              </a:rPr>
-              <a:t>https://github.com/navassherif98</a:t>
-            </a:r>
-            <a:endParaRPr lang="en-IN" sz="2400" spc="70" dirty="0">
-              <a:solidFill>
-                <a:srgbClr val="616E52"/>
-              </a:solidFill>
-              <a:latin typeface="Arial"/>
-              <a:cs typeface="Arial"/>
-            </a:endParaRPr>
-          </a:p>
-          <a:p>
-            <a:pPr marL="12700">
-              <a:lnSpc>
-                <a:spcPct val="100000"/>
-              </a:lnSpc>
-              <a:spcBef>
-                <a:spcPts val="755"/>
-              </a:spcBef>
-            </a:pPr>
+              </a:rPr>
+              <a:t>30</a:t>
+            </a:r>
             <a:r>
               <a:rPr sz="2400" spc="130" dirty="0">
                 <a:solidFill>
@@ -2173,17 +2185,17 @@
                 <a:latin typeface="Arial"/>
                 <a:cs typeface="Arial"/>
               </a:rPr>
-              <a:t>2</a:t>
-            </a:r>
-            <a:r>
-              <a:rPr lang="en-IN" sz="2400" spc="130" dirty="0">
+              <a:t>/0</a:t>
+            </a:r>
+            <a:r>
+              <a:rPr lang="es-UY" sz="2400" spc="130" dirty="0">
                 <a:solidFill>
                   <a:srgbClr val="616E52"/>
                 </a:solidFill>
                 <a:latin typeface="Arial"/>
                 <a:cs typeface="Arial"/>
               </a:rPr>
-              <a:t>2</a:t>
+              <a:t>9</a:t>
             </a:r>
             <a:r>
               <a:rPr sz="2400" spc="130" dirty="0">
@@ -2193,7 +2205,17 @@
                 <a:latin typeface="Arial"/>
                 <a:cs typeface="Arial"/>
               </a:rPr>
-              <a:t>/08/2021</a:t>
+              <a:t>/202</a:t>
+            </a:r>
+            <a:r>
+              <a:rPr lang="es-UY" sz="2400" spc="130" dirty="0">
+                <a:solidFill>
+                  <a:srgbClr val="616E52"/>
+                </a:solidFill>
+                <a:latin typeface="Arial"/>
+                <a:cs typeface="Arial"/>
+              </a:rPr>
+              <a:t>3</a:t>
             </a:r>
             <a:endParaRPr sz="2400" dirty="0">
               <a:latin typeface="Arial"/>
@@ -2364,7 +2386,7 @@
         <p:spPr>
           <a:xfrm>
             <a:off x="467361" y="2091819"/>
-            <a:ext cx="11734799" cy="4082656"/>
+            <a:ext cx="11734799" cy="4080669"/>
           </a:xfrm>
           <a:prstGeom prst="rect">
             <a:avLst/>
@@ -3180,21 +3202,67 @@
               </a:rPr>
               <a:t> </a:t>
             </a:r>
-            <a:r>
-              <a:rPr lang="en-IN" sz="2000" u="heavy" spc="-5" dirty="0">
-                <a:solidFill>
-                  <a:srgbClr val="2996E1"/>
-                </a:solidFill>
-                <a:uFill>
-                  <a:solidFill>
-                    <a:srgbClr val="2996E1"/>
-                  </a:solidFill>
-                </a:uFill>
-                <a:latin typeface="Carlito"/>
-                <a:cs typeface="Carlito"/>
+            <a:endParaRPr lang="es-UY" sz="2000" spc="-5" dirty="0">
+              <a:solidFill>
+                <a:srgbClr val="404040"/>
+              </a:solidFill>
+              <a:latin typeface="Carlito"/>
+              <a:cs typeface="Carlito"/>
+            </a:endParaRPr>
+          </a:p>
+          <a:p>
+            <a:pPr marL="16510" marR="1900555">
+              <a:lnSpc>
+                <a:spcPct val="148000"/>
+              </a:lnSpc>
+            </a:pPr>
+            <a:r>
+              <a:rPr lang="en-US" sz="2000" dirty="0" err="1">
                 <a:hlinkClick r:id="rId2"/>
               </a:rPr>
-              <a:t>https://github.com/navassherif98/IBM_Data_Science_Professional_Certification/blob/master/10.Applied_Data_Science_Capstone/Week%201%20Introduction/Data%20wrangling%20.ipynb</a:t>
+              <a:t>Applied_Data_Science_Capstone</a:t>
+            </a:r>
+            <a:r>
+              <a:rPr lang="en-US" sz="2000" dirty="0">
+                <a:hlinkClick r:id="rId2"/>
+              </a:rPr>
+              <a:t>/Week 1 Introduction/Data wrangling .</a:t>
+            </a:r>
+            <a:r>
+              <a:rPr lang="en-US" sz="2000" dirty="0" err="1">
+                <a:hlinkClick r:id="rId2"/>
+              </a:rPr>
+              <a:t>ipynb</a:t>
+            </a:r>
+            <a:r>
+              <a:rPr lang="en-US" sz="2000" dirty="0">
+                <a:hlinkClick r:id="rId2"/>
+              </a:rPr>
+              <a:t> at main · </a:t>
+            </a:r>
+            <a:r>
+              <a:rPr lang="en-US" sz="2000" dirty="0" err="1">
+                <a:hlinkClick r:id="rId2"/>
+              </a:rPr>
+              <a:t>KingNewbie</a:t>
+            </a:r>
+            <a:r>
+              <a:rPr lang="en-US" sz="2000" dirty="0">
+                <a:hlinkClick r:id="rId2"/>
+              </a:rPr>
+              <a:t>/</a:t>
+            </a:r>
+            <a:r>
+              <a:rPr lang="en-US" sz="2000" dirty="0" err="1">
+                <a:hlinkClick r:id="rId2"/>
+              </a:rPr>
+              <a:t>Applied_Data_Science_Capstone</a:t>
+            </a:r>
+            <a:r>
+              <a:rPr lang="en-US" sz="2000" dirty="0">
+                <a:hlinkClick r:id="rId2"/>
+              </a:rPr>
+              <a:t> (github.com)</a:t>
             </a:r>
             <a:endParaRPr sz="2000" dirty="0">
               <a:latin typeface="Carlito"/>
@@ -3369,7 +3437,7 @@
         <p:spPr>
           <a:xfrm>
             <a:off x="1176019" y="1824608"/>
-            <a:ext cx="9963150" cy="3583940"/>
+            <a:ext cx="9963150" cy="3749103"/>
           </a:xfrm>
           <a:prstGeom prst="rect">
             <a:avLst/>
@@ -4211,21 +4279,100 @@
               </a:rPr>
               <a:t> </a:t>
             </a:r>
-            <a:r>
-              <a:rPr lang="en-IN" sz="2000" u="heavy" spc="-10" dirty="0">
-                <a:solidFill>
-                  <a:srgbClr val="2996E1"/>
-                </a:solidFill>
-                <a:uFill>
-                  <a:solidFill>
-                    <a:srgbClr val="404040"/>
-                  </a:solidFill>
-                </a:uFill>
-                <a:latin typeface="Carlito"/>
-                <a:cs typeface="Carlito"/>
+            <a:endParaRPr lang="es-UY" sz="2000" spc="-5" dirty="0">
+              <a:solidFill>
+                <a:srgbClr val="404040"/>
+              </a:solidFill>
+              <a:latin typeface="Carlito"/>
+              <a:cs typeface="Carlito"/>
+            </a:endParaRPr>
+          </a:p>
+          <a:p>
+            <a:pPr marL="12700" marR="5080">
+              <a:lnSpc>
+                <a:spcPct val="100000"/>
+              </a:lnSpc>
+              <a:spcBef>
+                <a:spcPts val="1105"/>
+              </a:spcBef>
+            </a:pPr>
+            <a:r>
+              <a:rPr lang="es-UY" sz="2000" dirty="0" err="1">
                 <a:hlinkClick r:id="rId2"/>
               </a:rPr>
-              <a:t>https://github.com/navassherif98/IBM_Data_Science_Professional_Certification/blob/master/10.Applied_Data_Science_Capstone/Week%202%20EDA/EDA%20with%20Visualization.ipynb</a:t>
+              <a:t>Applied_Data_Science_Capstone</a:t>
+            </a:r>
+            <a:r>
+              <a:rPr lang="es-UY" sz="2000" dirty="0">
+                <a:hlinkClick r:id="rId2"/>
+              </a:rPr>
+              <a:t>/</a:t>
+            </a:r>
+            <a:r>
+              <a:rPr lang="es-UY" sz="2000" dirty="0" err="1">
+                <a:hlinkClick r:id="rId2"/>
+              </a:rPr>
+              <a:t>Week</a:t>
+            </a:r>
+            <a:r>
+              <a:rPr lang="es-UY" sz="2000" dirty="0">
+                <a:hlinkClick r:id="rId2"/>
+              </a:rPr>
+              <a:t> 2 EDA/EDA </a:t>
+            </a:r>
+            <a:r>
+              <a:rPr lang="es-UY" sz="2000" dirty="0" err="1">
+                <a:hlinkClick r:id="rId2"/>
+              </a:rPr>
+              <a:t>with</a:t>
+            </a:r>
+            <a:r>
+              <a:rPr lang="es-UY" sz="2000" dirty="0">
+                <a:hlinkClick r:id="rId2"/>
+              </a:rPr>
+              <a:t> </a:t>
+            </a:r>
+            <a:r>
+              <a:rPr lang="es-UY" sz="2000" dirty="0" err="1">
+                <a:hlinkClick r:id="rId2"/>
+              </a:rPr>
+              <a:t>Visualization.ipynb</a:t>
+            </a:r>
+            <a:r>
+              <a:rPr lang="es-UY" sz="2000" dirty="0">
+                <a:hlinkClick r:id="rId2"/>
+              </a:rPr>
+              <a:t> at </a:t>
+            </a:r>
+            <a:r>
+              <a:rPr lang="es-UY" sz="2000" dirty="0" err="1">
+                <a:hlinkClick r:id="rId2"/>
+              </a:rPr>
+              <a:t>main</a:t>
+            </a:r>
+            <a:r>
+              <a:rPr lang="es-UY" sz="2000" dirty="0">
+                <a:hlinkClick r:id="rId2"/>
+              </a:rPr>
+              <a:t> · </a:t>
+            </a:r>
+            <a:r>
+              <a:rPr lang="es-UY" sz="2000" dirty="0" err="1">
+                <a:hlinkClick r:id="rId2"/>
+              </a:rPr>
+              <a:t>KingNewbie</a:t>
+            </a:r>
+            <a:r>
+              <a:rPr lang="es-UY" sz="2000" dirty="0">
+                <a:hlinkClick r:id="rId2"/>
+              </a:rPr>
+              <a:t>/</a:t>
+            </a:r>
+            <a:r>
+              <a:rPr lang="es-UY" sz="2000" dirty="0" err="1">
+                <a:hlinkClick r:id="rId2"/>
+              </a:rPr>
+              <a:t>Applied_Data_Science_Capstone</a:t>
             </a:r>
             <a:endParaRPr sz="2000" dirty="0">
               <a:latin typeface="Carlito"/>
@@ -4396,7 +4543,7 @@
         <p:spPr>
           <a:xfrm>
             <a:off x="1176019" y="1622485"/>
-            <a:ext cx="9687560" cy="3925570"/>
+            <a:ext cx="9687560" cy="3896195"/>
           </a:xfrm>
           <a:prstGeom prst="rect">
             <a:avLst/>
@@ -4903,31 +5050,108 @@
               </a:rPr>
               <a:t>url: </a:t>
             </a:r>
-            <a:r>
-              <a:rPr sz="2000" spc="-5" dirty="0">
-                <a:solidFill>
-                  <a:srgbClr val="404040"/>
-                </a:solidFill>
-                <a:latin typeface="Carlito"/>
-                <a:cs typeface="Carlito"/>
+            <a:endParaRPr lang="es-UY" sz="2000" u="heavy" spc="-5" dirty="0">
+              <a:solidFill>
+                <a:srgbClr val="404040"/>
+              </a:solidFill>
+              <a:uFill>
+                <a:solidFill>
+                  <a:srgbClr val="404040"/>
+                </a:solidFill>
+              </a:uFill>
+              <a:latin typeface="Carlito"/>
+              <a:cs typeface="Carlito"/>
+            </a:endParaRPr>
+          </a:p>
+          <a:p>
+            <a:pPr marL="12700" marR="5080">
+              <a:lnSpc>
+                <a:spcPct val="149000"/>
+              </a:lnSpc>
+            </a:pPr>
+            <a:r>
+              <a:rPr lang="es-UY" sz="2000" dirty="0" err="1">
+                <a:hlinkClick r:id="rId2"/>
+              </a:rPr>
+              <a:t>Applied_Data_Science_Capstone</a:t>
+            </a:r>
+            <a:r>
+              <a:rPr lang="es-UY" sz="2000" dirty="0">
+                <a:hlinkClick r:id="rId2"/>
+              </a:rPr>
+              <a:t>/</a:t>
+            </a:r>
+            <a:r>
+              <a:rPr lang="es-UY" sz="2000" dirty="0" err="1">
+                <a:hlinkClick r:id="rId2"/>
+              </a:rPr>
+              <a:t>Week</a:t>
+            </a:r>
+            <a:r>
+              <a:rPr lang="es-UY" sz="2000" dirty="0">
+                <a:hlinkClick r:id="rId2"/>
+              </a:rPr>
+              <a:t> 2 EDA/EDA </a:t>
+            </a:r>
+            <a:r>
+              <a:rPr lang="es-UY" sz="2000" dirty="0" err="1">
+                <a:hlinkClick r:id="rId2"/>
+              </a:rPr>
+              <a:t>with</a:t>
+            </a:r>
+            <a:r>
+              <a:rPr lang="es-UY" sz="2000" dirty="0">
+                <a:hlinkClick r:id="rId2"/>
               </a:rPr>
               <a:t> </a:t>
             </a:r>
             <a:r>
-              <a:rPr lang="en-IN" sz="2000" u="heavy" spc="-5" dirty="0">
-                <a:solidFill>
-                  <a:srgbClr val="2996E1"/>
-                </a:solidFill>
-                <a:uFill>
-                  <a:solidFill>
-                    <a:srgbClr val="2996E1"/>
-                  </a:solidFill>
-                </a:uFill>
-                <a:latin typeface="Carlito"/>
-                <a:cs typeface="Carlito"/>
+              <a:rPr lang="es-UY" sz="2000" dirty="0" err="1">
                 <a:hlinkClick r:id="rId2"/>
               </a:rPr>
-              <a:t>https://github.com/navassherif98/IBM_Data_Science_Professional_Certification/blob/master/10.Applied_Data_Science_Capstone/Week%202%20EDA/EDA%20with%20SQL.ipynb</a:t>
+              <a:t>SQL.ipynb</a:t>
+            </a:r>
+            <a:r>
+              <a:rPr lang="es-UY" sz="2000" dirty="0">
+                <a:hlinkClick r:id="rId2"/>
+              </a:rPr>
+              <a:t> at </a:t>
+            </a:r>
+            <a:r>
+              <a:rPr lang="es-UY" sz="2000" dirty="0" err="1">
+                <a:hlinkClick r:id="rId2"/>
+              </a:rPr>
+              <a:t>main</a:t>
+            </a:r>
+            <a:r>
+              <a:rPr lang="es-UY" sz="2000" dirty="0">
+                <a:hlinkClick r:id="rId2"/>
+              </a:rPr>
+              <a:t> · </a:t>
+            </a:r>
+            <a:r>
+              <a:rPr lang="es-UY" sz="2000" dirty="0" err="1">
+                <a:hlinkClick r:id="rId2"/>
+              </a:rPr>
+              <a:t>KingNewbie</a:t>
+            </a:r>
+            <a:r>
+              <a:rPr lang="es-UY" sz="2000" dirty="0">
+                <a:hlinkClick r:id="rId2"/>
+              </a:rPr>
+              <a:t>/</a:t>
+            </a:r>
+            <a:r>
+              <a:rPr lang="es-UY" sz="2000" dirty="0" err="1">
+                <a:hlinkClick r:id="rId2"/>
+              </a:rPr>
+              <a:t>Applied_Data_Science_Capstone</a:t>
+            </a:r>
+            <a:r>
+              <a:rPr lang="es-UY" sz="2000" dirty="0">
+                <a:hlinkClick r:id="rId2"/>
+              </a:rPr>
+              <a:t> (github.com)</a:t>
             </a:r>
             <a:endParaRPr sz="2000" dirty="0">
               <a:latin typeface="Carlito"/>
@@ -5548,20 +5772,148 @@
               </a:spcBef>
             </a:pPr>
             <a:r>
-              <a:rPr lang="en-IN" sz="2000" u="heavy" spc="-10" dirty="0">
-                <a:solidFill>
-                  <a:srgbClr val="2996E1"/>
-                </a:solidFill>
-                <a:uFill>
-                  <a:solidFill>
-                    <a:srgbClr val="404040"/>
-                  </a:solidFill>
-                </a:uFill>
-                <a:latin typeface="Carlito"/>
-                <a:cs typeface="Carlito"/>
+              <a:rPr lang="es-UY" sz="2000" dirty="0" err="1">
                 <a:hlinkClick r:id="rId2"/>
               </a:rPr>
-              <a:t>https://github.com/navassherif98/IBM_Data_Science_Professional_Certification/blob/master/10.Applied_Data_Science_Capstone/Week%203%20Interactive%20Visual%20Analytics%20and%20Dashboard/Interactive%20Visual%20Analytics%20with%20Folium.ipynb</a:t>
+              <a:t>Applied_Data_Science_Capstone</a:t>
+            </a:r>
+            <a:r>
+              <a:rPr lang="es-UY" sz="2000" dirty="0">
+                <a:hlinkClick r:id="rId2"/>
+              </a:rPr>
+              <a:t>/</a:t>
+            </a:r>
+            <a:r>
+              <a:rPr lang="es-UY" sz="2000" dirty="0" err="1">
+                <a:hlinkClick r:id="rId2"/>
+              </a:rPr>
+              <a:t>Week</a:t>
+            </a:r>
+            <a:r>
+              <a:rPr lang="es-UY" sz="2000" dirty="0">
+                <a:hlinkClick r:id="rId2"/>
+              </a:rPr>
+              <a:t> 3 </a:t>
+            </a:r>
+            <a:r>
+              <a:rPr lang="es-UY" sz="2000" dirty="0" err="1">
+                <a:hlinkClick r:id="rId2"/>
+              </a:rPr>
+              <a:t>Interactive</a:t>
+            </a:r>
+            <a:r>
+              <a:rPr lang="es-UY" sz="2000" dirty="0">
+                <a:hlinkClick r:id="rId2"/>
+              </a:rPr>
+              <a:t> Visual </a:t>
+            </a:r>
+            <a:r>
+              <a:rPr lang="es-UY" sz="2000" dirty="0" err="1">
+                <a:hlinkClick r:id="rId2"/>
+              </a:rPr>
+              <a:t>Analytics</a:t>
+            </a:r>
+            <a:r>
+              <a:rPr lang="es-UY" sz="2000" dirty="0">
+                <a:hlinkClick r:id="rId2"/>
+              </a:rPr>
+              <a:t> and </a:t>
+            </a:r>
+            <a:r>
+              <a:rPr lang="es-UY" sz="2000" dirty="0" err="1">
+                <a:hlinkClick r:id="rId2"/>
+              </a:rPr>
+              <a:t>Dashboard</a:t>
+            </a:r>
+            <a:r>
+              <a:rPr lang="es-UY" sz="2000" dirty="0">
+                <a:hlinkClick r:id="rId2"/>
+              </a:rPr>
+              <a:t>/</a:t>
+            </a:r>
+            <a:r>
+              <a:rPr lang="es-UY" sz="2000" dirty="0" err="1">
+                <a:hlinkClick r:id="rId2"/>
+              </a:rPr>
+              <a:t>Interactive</a:t>
+            </a:r>
+            <a:r>
+              <a:rPr lang="es-UY" sz="2000" dirty="0">
+                <a:hlinkClick r:id="rId2"/>
+              </a:rPr>
+              <a:t> Visual </a:t>
+            </a:r>
+            <a:r>
+              <a:rPr lang="es-UY" sz="2000" dirty="0" err="1">
+                <a:hlinkClick r:id="rId2"/>
+              </a:rPr>
+              <a:t>Analytics</a:t>
+            </a:r>
+            <a:r>
+              <a:rPr lang="es-UY" sz="2000" dirty="0">
+                <a:hlinkClick r:id="rId2"/>
+              </a:rPr>
+              <a:t> </a:t>
+            </a:r>
+            <a:r>
+              <a:rPr lang="es-UY" sz="2000" dirty="0" err="1">
+                <a:hlinkClick r:id="rId2"/>
+              </a:rPr>
+              <a:t>with</a:t>
+            </a:r>
+            <a:r>
+              <a:rPr lang="es-UY" sz="2000" dirty="0">
+                <a:hlinkClick r:id="rId2"/>
+              </a:rPr>
+              <a:t> </a:t>
+            </a:r>
+            <a:r>
+              <a:rPr lang="es-UY" sz="2000" dirty="0" err="1">
+                <a:hlinkClick r:id="rId2"/>
+              </a:rPr>
+              <a:t>Folium.ipynb</a:t>
+            </a:r>
+            <a:r>
+              <a:rPr lang="es-UY" sz="2000" dirty="0">
+                <a:hlinkClick r:id="rId2"/>
+              </a:rPr>
+              <a:t> at </a:t>
+            </a:r>
+            <a:r>
+              <a:rPr lang="es-UY" sz="2000" dirty="0" err="1">
+                <a:hlinkClick r:id="rId2"/>
+              </a:rPr>
+              <a:t>main</a:t>
+            </a:r>
+            <a:r>
+              <a:rPr lang="es-UY" sz="2000" dirty="0">
+                <a:hlinkClick r:id="rId2"/>
+              </a:rPr>
+              <a:t> · </a:t>
+            </a:r>
+            <a:r>
+              <a:rPr lang="es-UY" sz="2000" dirty="0" err="1">
+                <a:hlinkClick r:id="rId2"/>
+              </a:rPr>
+              <a:t>KingNewbie</a:t>
+            </a:r>
+            <a:r>
+              <a:rPr lang="es-UY" sz="2000" dirty="0">
+                <a:hlinkClick r:id="rId2"/>
+              </a:rPr>
+              <a:t>/</a:t>
+            </a:r>
+            <a:r>
+              <a:rPr lang="es-UY" sz="2000" dirty="0" err="1">
+                <a:hlinkClick r:id="rId2"/>
+              </a:rPr>
+              <a:t>Applied_Data_Science_Capstone</a:t>
+            </a:r>
+            <a:r>
+              <a:rPr lang="es-UY" sz="2000" dirty="0">
+                <a:hlinkClick r:id="rId2"/>
+              </a:rPr>
+              <a:t> (github.com)</a:t>
             </a:r>
             <a:endParaRPr sz="2000" dirty="0">
               <a:latin typeface="Carlito"/>
@@ -6755,7 +7107,7 @@
         <p:spPr>
           <a:xfrm>
             <a:off x="533401" y="2472309"/>
-            <a:ext cx="3061208" cy="2796278"/>
+            <a:ext cx="3061208" cy="3104055"/>
           </a:xfrm>
           <a:prstGeom prst="rect">
             <a:avLst/>
@@ -6843,12 +7195,52 @@
               </a:spcBef>
             </a:pPr>
             <a:r>
-              <a:rPr lang="en-IN" sz="2000" dirty="0">
-                <a:latin typeface="Carlito"/>
-                <a:cs typeface="Carlito"/>
+              <a:rPr lang="en-US" sz="2000" dirty="0" err="1">
                 <a:hlinkClick r:id="rId2"/>
               </a:rPr>
-              <a:t>https://github.com/navassherif98/IBM_Data_Science_Professional_Certification/blob/master/10.Applied_Data_Science_Capstone/Week%204%20Predictive%20Analysis%20(Classification)/Machine%20Learning%20Prediction.ipynb</a:t>
+              <a:t>Applied_Data_Science_Capstone</a:t>
+            </a:r>
+            <a:r>
+              <a:rPr lang="en-US" sz="2000" dirty="0">
+                <a:hlinkClick r:id="rId2"/>
+              </a:rPr>
+              <a:t>/Week 4 Predictive Analysis (Classification)/Machine Learning </a:t>
+            </a:r>
+            <a:r>
+              <a:rPr lang="en-US" sz="2000" dirty="0" err="1">
+                <a:hlinkClick r:id="rId2"/>
+              </a:rPr>
+              <a:t>Prediction.ipynb</a:t>
+            </a:r>
+            <a:r>
+              <a:rPr lang="en-US" sz="2000" dirty="0">
+                <a:hlinkClick r:id="rId2"/>
+              </a:rPr>
+              <a:t> at main · </a:t>
+            </a:r>
+            <a:r>
+              <a:rPr lang="en-US" sz="2000" dirty="0" err="1">
+                <a:hlinkClick r:id="rId2"/>
+              </a:rPr>
+              <a:t>KingNewbie</a:t>
+            </a:r>
+            <a:r>
+              <a:rPr lang="en-US" sz="2000" dirty="0">
+                <a:hlinkClick r:id="rId2"/>
+              </a:rPr>
+              <a:t>/</a:t>
+            </a:r>
+            <a:r>
+              <a:rPr lang="en-US" sz="2000" dirty="0" err="1">
+                <a:hlinkClick r:id="rId2"/>
+              </a:rPr>
+              <a:t>Applied_Data_Science_Capstone</a:t>
+            </a:r>
+            <a:r>
+              <a:rPr lang="en-US" sz="2000" dirty="0">
+                <a:hlinkClick r:id="rId2"/>
+              </a:rPr>
+              <a:t> (github.com)</a:t>
             </a:r>
             <a:endParaRPr sz="2000" dirty="0">
               <a:latin typeface="Carlito"/>
@@ -31448,7 +31840,7 @@
         <p:spPr>
           <a:xfrm>
             <a:off x="1176019" y="1496901"/>
-            <a:ext cx="8401050" cy="3782446"/>
+            <a:ext cx="8401050" cy="3482364"/>
           </a:xfrm>
           <a:prstGeom prst="rect">
             <a:avLst/>
@@ -31543,35 +31935,29 @@
               </a:spcBef>
             </a:pPr>
             <a:r>
-              <a:rPr lang="en-IN" sz="2000" u="heavy" spc="-10" dirty="0">
-                <a:solidFill>
-                  <a:srgbClr val="800080"/>
-                </a:solidFill>
-                <a:uFill>
-                  <a:solidFill>
-                    <a:srgbClr val="800080"/>
-                  </a:solidFill>
-                </a:uFill>
-                <a:latin typeface="Carlito"/>
-                <a:cs typeface="Carlito"/>
+              <a:rPr lang="en-US" sz="2000" dirty="0" err="1">
                 <a:hlinkClick r:id="rId2"/>
               </a:rPr>
-              <a:t>https://github.com/navassherif98/IBM_Data_Science_Professional_Certification</a:t>
-            </a:r>
-            <a:endParaRPr sz="2000" dirty="0">
-              <a:latin typeface="Carlito"/>
-              <a:cs typeface="Carlito"/>
-            </a:endParaRPr>
-          </a:p>
-          <a:p>
-            <a:pPr>
-              <a:lnSpc>
-                <a:spcPct val="100000"/>
-              </a:lnSpc>
-              <a:spcBef>
-                <a:spcPts val="40"/>
-              </a:spcBef>
-            </a:pPr>
+              <a:t>KingNewbie</a:t>
+            </a:r>
+            <a:r>
+              <a:rPr lang="en-US" sz="2000" dirty="0">
+                <a:hlinkClick r:id="rId2"/>
+              </a:rPr>
+              <a:t>/</a:t>
+            </a:r>
+            <a:r>
+              <a:rPr lang="en-US" sz="2000" dirty="0" err="1">
+                <a:hlinkClick r:id="rId2"/>
+              </a:rPr>
+              <a:t>Applied_Data_Science_Capstone</a:t>
+            </a:r>
+            <a:r>
+              <a:rPr lang="en-US" sz="2000" dirty="0">
+                <a:hlinkClick r:id="rId2"/>
+              </a:rPr>
+              <a:t> (github.com)</a:t>
+            </a:r>
             <a:endParaRPr sz="1750" dirty="0">
               <a:latin typeface="Carlito"/>
               <a:cs typeface="Carlito"/>
@@ -36334,7 +36720,7 @@
               </a:rPr>
               <a:t>url:</a:t>
             </a:r>
-            <a:endParaRPr sz="1500">
+            <a:endParaRPr sz="1500" dirty="0">
               <a:latin typeface="Carlito"/>
               <a:cs typeface="Carlito"/>
             </a:endParaRPr>
@@ -36350,7 +36736,7 @@
         <p:spPr>
           <a:xfrm>
             <a:off x="535635" y="5215508"/>
-            <a:ext cx="2988945" cy="1271117"/>
+            <a:ext cx="2988945" cy="1134285"/>
           </a:xfrm>
           <a:prstGeom prst="rect">
             <a:avLst/>
@@ -36371,20 +36757,58 @@
               </a:spcBef>
             </a:pPr>
             <a:r>
-              <a:rPr lang="en-IN" sz="1500" u="sng" spc="-10" dirty="0">
-                <a:solidFill>
-                  <a:schemeClr val="bg1"/>
-                </a:solidFill>
-                <a:uFill>
-                  <a:solidFill>
-                    <a:srgbClr val="2996E1"/>
-                  </a:solidFill>
-                </a:uFill>
-                <a:latin typeface="Carlito"/>
-                <a:cs typeface="Carlito"/>
+              <a:rPr lang="en-US" sz="1600" dirty="0" err="1">
                 <a:hlinkClick r:id="rId23"/>
               </a:rPr>
-              <a:t>https://github.com/navassherif98/IBM_Data_Science_Professional_Certification/blob/master/10.Applied_Data_Science_Capstone/Week%201%20Introduction/Data%20Collection%20Api%20.ipynb</a:t>
+              <a:t>Applied_Data_Science_Capstone</a:t>
+            </a:r>
+            <a:r>
+              <a:rPr lang="en-US" sz="1600" dirty="0">
+                <a:hlinkClick r:id="rId23"/>
+              </a:rPr>
+              <a:t>/Week 1 Introduction/Data Collection </a:t>
+            </a:r>
+            <a:r>
+              <a:rPr lang="en-US" sz="1600" dirty="0" err="1">
+                <a:hlinkClick r:id="rId23"/>
+              </a:rPr>
+              <a:t>Api</a:t>
+            </a:r>
+            <a:r>
+              <a:rPr lang="en-US" sz="1600" dirty="0">
+                <a:hlinkClick r:id="rId23"/>
+              </a:rPr>
+              <a:t> .</a:t>
+            </a:r>
+            <a:r>
+              <a:rPr lang="en-US" sz="1600" dirty="0" err="1">
+                <a:hlinkClick r:id="rId23"/>
+              </a:rPr>
+              <a:t>ipynb</a:t>
+            </a:r>
+            <a:r>
+              <a:rPr lang="en-US" sz="1600" dirty="0">
+                <a:hlinkClick r:id="rId23"/>
+              </a:rPr>
+              <a:t> at main · </a:t>
+            </a:r>
+            <a:r>
+              <a:rPr lang="en-US" sz="1600" dirty="0" err="1">
+                <a:hlinkClick r:id="rId23"/>
+              </a:rPr>
+              <a:t>KingNewbie</a:t>
+            </a:r>
+            <a:r>
+              <a:rPr lang="en-US" sz="1600" dirty="0">
+                <a:hlinkClick r:id="rId23"/>
+              </a:rPr>
+              <a:t>/</a:t>
+            </a:r>
+            <a:r>
+              <a:rPr lang="en-US" sz="1600" dirty="0" err="1">
+                <a:hlinkClick r:id="rId23"/>
+              </a:rPr>
+              <a:t>Applied_Data_Science_Capstone</a:t>
             </a:r>
             <a:endParaRPr sz="1500" dirty="0">
               <a:solidFill>
